--- a/doc/smc.pptx
+++ b/doc/smc.pptx
@@ -3553,7 +3553,23 @@
                   <a:schemeClr val="tx1"/>
                 </a:solidFill>
               </a:rPr>
-              <a:t>와 학습 결과 제공 통해 개선 가능 여부 의사 결정 지원</a:t>
+              <a:t>와 학습 결과 제공 통해 모델</a:t>
+            </a:r>
+            <a:r>
+              <a:rPr lang="en-US" altLang="ko-KR" dirty="0">
+                <a:solidFill>
+                  <a:schemeClr val="tx1"/>
+                </a:solidFill>
+              </a:rPr>
+              <a:t> </a:t>
+            </a:r>
+            <a:r>
+              <a:rPr lang="ko-KR" altLang="en-US" dirty="0">
+                <a:solidFill>
+                  <a:schemeClr val="tx1"/>
+                </a:solidFill>
+              </a:rPr>
+              <a:t>개선 의사 결정 지원</a:t>
             </a:r>
             <a:endParaRPr lang="en-US" altLang="ko-KR" dirty="0">
               <a:solidFill>
@@ -3804,7 +3820,7 @@
           <p:spPr>
             <a:xfrm>
               <a:off x="1192070" y="4349835"/>
-              <a:ext cx="1860730" cy="276999"/>
+              <a:ext cx="1860730" cy="370530"/>
             </a:xfrm>
             <a:prstGeom prst="rect">
               <a:avLst/>
@@ -3819,9 +3835,15 @@
               <a:r>
                 <a:rPr lang="ko-KR" altLang="en-US" sz="1200" b="1" dirty="0">
                   <a:latin typeface="맑은 고딕" panose="020B0503020000020004" pitchFamily="50" charset="-127"/>
+                </a:rPr>
+                <a:t>②</a:t>
+              </a:r>
+              <a:r>
+                <a:rPr lang="ko-KR" altLang="en-US" sz="1200" b="1" dirty="0">
+                  <a:latin typeface="맑은 고딕" panose="020B0503020000020004" pitchFamily="50" charset="-127"/>
                   <a:ea typeface="맑은 고딕" panose="020B0503020000020004" pitchFamily="50" charset="-127"/>
                 </a:rPr>
-                <a:t>① 판독 음성 입력</a:t>
+                <a:t> 판독 음성 입력</a:t>
               </a:r>
               <a:endParaRPr lang="ko-KR" altLang="en-US" sz="1200" b="1" dirty="0"/>
             </a:p>
@@ -7503,7 +7525,7 @@
         <p:spPr>
           <a:xfrm>
             <a:off x="4213385" y="4651373"/>
-            <a:ext cx="1785990" cy="250191"/>
+            <a:ext cx="1785990" cy="276999"/>
           </a:xfrm>
           <a:prstGeom prst="rect">
             <a:avLst/>
@@ -7526,14 +7548,7 @@
                 <a:latin typeface="맑은 고딕" panose="020B0503020000020004" pitchFamily="50" charset="-127"/>
                 <a:ea typeface="맑은 고딕" panose="020B0503020000020004" pitchFamily="50" charset="-127"/>
               </a:rPr>
-              <a:t>판독문 </a:t>
-            </a:r>
-            <a:r>
-              <a:rPr lang="ko-KR" altLang="en-US" sz="1200" b="1" dirty="0" err="1">
-                <a:latin typeface="맑은 고딕" panose="020B0503020000020004" pitchFamily="50" charset="-127"/>
-                <a:ea typeface="맑은 고딕" panose="020B0503020000020004" pitchFamily="50" charset="-127"/>
-              </a:rPr>
-              <a:t>조희</a:t>
+              <a:t>판독문 조회</a:t>
             </a:r>
             <a:endParaRPr lang="ko-KR" altLang="en-US" sz="1200" b="1" dirty="0"/>
           </a:p>
@@ -8195,7 +8210,7 @@
         </p:nvSpPr>
         <p:spPr>
           <a:xfrm>
-            <a:off x="8498875" y="4099892"/>
+            <a:off x="8509035" y="4242132"/>
             <a:ext cx="3628779" cy="1815882"/>
           </a:xfrm>
           <a:prstGeom prst="rect">
@@ -8439,7 +8454,7 @@
                   <a:schemeClr val="tx1"/>
                 </a:solidFill>
               </a:rPr>
-              <a:t>과 학습 결과 제공 통해 개선 가능 여부 의사 결정 지원</a:t>
+              <a:t>과 학습 결과 제공 통해 모델 개선 및 의사 결정 지원</a:t>
             </a:r>
             <a:endParaRPr lang="ko-KR" altLang="en-US" dirty="0"/>
           </a:p>
